--- a/Capstone project by Swetankan on heart Disease prediction.pptx
+++ b/Capstone project by Swetankan on heart Disease prediction.pptx
@@ -6053,27 +6053,7 @@
                 <a:ea typeface="+mn-lt"/>
                 <a:cs typeface="+mn-lt"/>
               </a:rPr>
-              <a:t>The dataset provides the patients’ information. It includes over 1,000 records and 14 attributes. Each attribute is a potential risk factor. There are both demographic, </a:t>
-            </a:r>
-            <a:r>
-              <a:rPr lang="en-IN" sz="2400" dirty="0" err="1">
-                <a:solidFill>
-                  <a:srgbClr val="0F0F0F"/>
-                </a:solidFill>
-                <a:ea typeface="+mn-lt"/>
-                <a:cs typeface="+mn-lt"/>
-              </a:rPr>
-              <a:t>behavioral</a:t>
-            </a:r>
-            <a:r>
-              <a:rPr lang="en-IN" sz="2400" dirty="0">
-                <a:solidFill>
-                  <a:srgbClr val="0F0F0F"/>
-                </a:solidFill>
-                <a:ea typeface="+mn-lt"/>
-                <a:cs typeface="+mn-lt"/>
-              </a:rPr>
-              <a:t>, and medical risk factors.</a:t>
+              <a:t>The dataset provides the patients’ information. It includes over 1,000 records and 14 attributes. Each attribute is a potential risk factor. There are both demographic, behavioural, and medical risk factors.</a:t>
             </a:r>
             <a:endParaRPr lang="en-IN" sz="2400" dirty="0"/>
           </a:p>
@@ -6852,71 +6832,7 @@
                   <a:srgbClr val="0F0F0F"/>
                 </a:solidFill>
               </a:rPr>
-              <a:t>Software: Python interpreter is required to execute the code. Additionally, a text editor or an Integrated Development Environment (IDE) such as </a:t>
-            </a:r>
-            <a:r>
-              <a:rPr lang="en-IN" sz="1900" dirty="0" err="1">
-                <a:solidFill>
-                  <a:srgbClr val="0F0F0F"/>
-                </a:solidFill>
-              </a:rPr>
-              <a:t>Jupyter</a:t>
-            </a:r>
-            <a:r>
-              <a:rPr lang="en-IN" sz="1900" dirty="0">
-                <a:solidFill>
-                  <a:srgbClr val="0F0F0F"/>
-                </a:solidFill>
-              </a:rPr>
-              <a:t> Notebook or Google </a:t>
-            </a:r>
-            <a:r>
-              <a:rPr lang="en-IN" sz="1900" dirty="0" err="1">
-                <a:solidFill>
-                  <a:srgbClr val="0F0F0F"/>
-                </a:solidFill>
-              </a:rPr>
-              <a:t>Colab</a:t>
-            </a:r>
-            <a:r>
-              <a:rPr lang="en-IN" sz="1900" dirty="0">
-                <a:solidFill>
-                  <a:srgbClr val="0F0F0F"/>
-                </a:solidFill>
-              </a:rPr>
-              <a:t> can be used to write, edit, and execute the code. Google </a:t>
-            </a:r>
-            <a:r>
-              <a:rPr lang="en-IN" sz="1900" dirty="0" err="1">
-                <a:solidFill>
-                  <a:srgbClr val="0F0F0F"/>
-                </a:solidFill>
-              </a:rPr>
-              <a:t>Colab</a:t>
-            </a:r>
-            <a:r>
-              <a:rPr lang="en-IN" sz="1900" dirty="0">
-                <a:solidFill>
-                  <a:srgbClr val="0F0F0F"/>
-                </a:solidFill>
-              </a:rPr>
-              <a:t> can directly execute the provided notebook (.</a:t>
-            </a:r>
-            <a:r>
-              <a:rPr lang="en-IN" sz="1900" dirty="0" err="1">
-                <a:solidFill>
-                  <a:srgbClr val="0F0F0F"/>
-                </a:solidFill>
-              </a:rPr>
-              <a:t>ipynb</a:t>
-            </a:r>
-            <a:r>
-              <a:rPr lang="en-IN" sz="1900" dirty="0">
-                <a:solidFill>
-                  <a:srgbClr val="0F0F0F"/>
-                </a:solidFill>
-              </a:rPr>
-              <a:t>) file</a:t>
+              <a:t>Software: Python interpreter is required to execute the code. Additionally, a text editor or an Integrated Development Environment (IDE) such as Jupyter Notebook or Google Colab can be used to write, edit, and execute the code. Google Colab can directly execute the provided notebook (.ipynb) file</a:t>
             </a:r>
             <a:r>
               <a:rPr lang="en-IN" sz="1600" dirty="0">
@@ -7112,15 +7028,7 @@
                   <a:srgbClr val="0F0F0F"/>
                 </a:solidFill>
               </a:rPr>
-              <a:t>Data </a:t>
-            </a:r>
-            <a:r>
-              <a:rPr lang="en-IN" sz="1500">
-                <a:solidFill>
-                  <a:srgbClr val="0F0F0F"/>
-                </a:solidFill>
-              </a:rPr>
-              <a:t>Visualization:</a:t>
+              <a:t>Data Visualization:</a:t>
             </a:r>
             <a:endParaRPr lang="en-IN" sz="2100" b="0" i="0" dirty="0">
               <a:solidFill>
@@ -7183,23 +7091,7 @@
                   <a:srgbClr val="0F0F0F"/>
                 </a:solidFill>
               </a:rPr>
-              <a:t>Scikit-learn (or </a:t>
-            </a:r>
-            <a:r>
-              <a:rPr lang="en-IN" sz="1600" dirty="0" err="1">
-                <a:solidFill>
-                  <a:srgbClr val="0F0F0F"/>
-                </a:solidFill>
-              </a:rPr>
-              <a:t>sklearn</a:t>
-            </a:r>
-            <a:r>
-              <a:rPr lang="en-IN" sz="1600" dirty="0">
-                <a:solidFill>
-                  <a:srgbClr val="0F0F0F"/>
-                </a:solidFill>
-              </a:rPr>
-              <a:t>)</a:t>
+              <a:t>Scikit-learn (or sklearn)</a:t>
             </a:r>
           </a:p>
           <a:p>
@@ -7222,20 +7114,12 @@
               <a:buChar char="o"/>
             </a:pPr>
             <a:r>
-              <a:rPr lang="en-IN" sz="1600" dirty="0" err="1">
+              <a:rPr lang="en-IN" sz="1600" dirty="0">
                 <a:solidFill>
                   <a:srgbClr val="0F0F0F"/>
                 </a:solidFill>
               </a:rPr>
-              <a:t>ipywidgets</a:t>
-            </a:r>
-            <a:r>
-              <a:rPr lang="en-IN" sz="1600" dirty="0">
-                <a:solidFill>
-                  <a:srgbClr val="0F0F0F"/>
-                </a:solidFill>
-              </a:rPr>
-              <a:t> </a:t>
+              <a:t>ipywidgets </a:t>
             </a:r>
           </a:p>
           <a:p>
@@ -7258,18 +7142,13 @@
               <a:buChar char="o"/>
             </a:pPr>
             <a:r>
-              <a:rPr lang="en-IN" sz="1600" dirty="0" err="1">
+              <a:rPr lang="en-IN" sz="1600" dirty="0">
                 <a:solidFill>
                   <a:srgbClr val="0F0F0F"/>
                 </a:solidFill>
               </a:rPr>
               <a:t>Joblib</a:t>
             </a:r>
-            <a:endParaRPr lang="en-IN" sz="1600" dirty="0">
-              <a:solidFill>
-                <a:srgbClr val="0F0F0F"/>
-              </a:solidFill>
-            </a:endParaRPr>
           </a:p>
           <a:p>
             <a:endParaRPr lang="en-IN" dirty="0"/>
@@ -7494,25 +7373,8 @@
                 <a:effectLst/>
                 <a:latin typeface="Franklin Gothic Book" panose="020B0503020102020204" pitchFamily="34" charset="0"/>
               </a:rPr>
-              <a:t>Performs feature scaling on continuous features using </a:t>
-            </a:r>
-            <a:r>
-              <a:rPr lang="en-IN" sz="6400" b="0" i="0" dirty="0" err="1">
-                <a:solidFill>
-                  <a:srgbClr val="1F1F1F"/>
-                </a:solidFill>
-                <a:effectLst/>
-                <a:latin typeface="Franklin Gothic Book" panose="020B0503020102020204" pitchFamily="34" charset="0"/>
-              </a:rPr>
-              <a:t>StandardScaler</a:t>
-            </a:r>
-            <a:endParaRPr lang="en-IN" sz="6400" b="0" i="0" dirty="0">
-              <a:solidFill>
-                <a:srgbClr val="1F1F1F"/>
-              </a:solidFill>
-              <a:effectLst/>
-              <a:latin typeface="Franklin Gothic Book" panose="020B0503020102020204" pitchFamily="34" charset="0"/>
-            </a:endParaRPr>
+              <a:t>Performs feature scaling on continuous features using StandardScaler</a:t>
+            </a:r>
           </a:p>
           <a:p>
             <a:pPr algn="l">
@@ -7802,25 +7664,7 @@
                 </a:solidFill>
                 <a:latin typeface="Franklin Gothic Book" panose="020B0503020102020204" pitchFamily="34" charset="0"/>
               </a:rPr>
-              <a:t>Saves the Random Forest model using </a:t>
-            </a:r>
-            <a:r>
-              <a:rPr lang="en-IN" sz="6400" dirty="0" err="1">
-                <a:solidFill>
-                  <a:srgbClr val="1F1F1F"/>
-                </a:solidFill>
-                <a:latin typeface="Franklin Gothic Book" panose="020B0503020102020204" pitchFamily="34" charset="0"/>
-              </a:rPr>
-              <a:t>joblib</a:t>
-            </a:r>
-            <a:r>
-              <a:rPr lang="en-IN" sz="6400" dirty="0">
-                <a:solidFill>
-                  <a:srgbClr val="1F1F1F"/>
-                </a:solidFill>
-                <a:latin typeface="Franklin Gothic Book" panose="020B0503020102020204" pitchFamily="34" charset="0"/>
-              </a:rPr>
-              <a:t> for future use.</a:t>
+              <a:t>Saves the Random Forest model using joblib for future use.</a:t>
             </a:r>
           </a:p>
           <a:p>
@@ -7850,43 +7694,7 @@
                 </a:solidFill>
                 <a:latin typeface="Franklin Gothic Book" panose="020B0503020102020204" pitchFamily="34" charset="0"/>
               </a:rPr>
-              <a:t>Includes </a:t>
-            </a:r>
-            <a:r>
-              <a:rPr lang="en-IN" sz="6400" dirty="0" err="1">
-                <a:solidFill>
-                  <a:srgbClr val="1F1F1F"/>
-                </a:solidFill>
-                <a:latin typeface="Franklin Gothic Book" panose="020B0503020102020204" pitchFamily="34" charset="0"/>
-              </a:rPr>
-              <a:t>ipywidgets</a:t>
-            </a:r>
-            <a:r>
-              <a:rPr lang="en-IN" sz="6400" dirty="0">
-                <a:solidFill>
-                  <a:srgbClr val="1F1F1F"/>
-                </a:solidFill>
-                <a:latin typeface="Franklin Gothic Book" panose="020B0503020102020204" pitchFamily="34" charset="0"/>
-              </a:rPr>
-              <a:t> GUI in Google </a:t>
-            </a:r>
-            <a:r>
-              <a:rPr lang="en-IN" sz="6400" dirty="0" err="1">
-                <a:solidFill>
-                  <a:srgbClr val="1F1F1F"/>
-                </a:solidFill>
-                <a:latin typeface="Franklin Gothic Book" panose="020B0503020102020204" pitchFamily="34" charset="0"/>
-              </a:rPr>
-              <a:t>Colab</a:t>
-            </a:r>
-            <a:r>
-              <a:rPr lang="en-IN" sz="6400" dirty="0">
-                <a:solidFill>
-                  <a:srgbClr val="1F1F1F"/>
-                </a:solidFill>
-                <a:latin typeface="Franklin Gothic Book" panose="020B0503020102020204" pitchFamily="34" charset="0"/>
-              </a:rPr>
-              <a:t> to take user input for various features and display the predicted heart disease risk.</a:t>
+              <a:t>Includes ipywidgets GUI in Google Colab to take user input for various features and display the predicted heart disease risk.</a:t>
             </a:r>
           </a:p>
           <a:p>
@@ -8509,12 +8317,12 @@
 </file>
 
 <file path=customXml/item1.xml><?xml version="1.0" encoding="utf-8"?>
-<p:properties xmlns:p="http://schemas.microsoft.com/office/2006/metadata/properties" xmlns:xsi="http://www.w3.org/2001/XMLSchema-instance" xmlns:pc="http://schemas.microsoft.com/office/infopath/2007/PartnerControls">
-  <documentManagement>
-    <MediaServiceKeyPoints xmlns="9162bd5b-4ed9-4da3-b376-05204580ba3f" xsi:nil="true"/>
-    <_activity xmlns="9162bd5b-4ed9-4da3-b376-05204580ba3f" xsi:nil="true"/>
-  </documentManagement>
-</p:properties>
+<?mso-contentType ?>
+<FormTemplates xmlns="http://schemas.microsoft.com/sharepoint/v3/contenttype/forms">
+  <Display>DocumentLibraryForm</Display>
+  <Edit>DocumentLibraryForm</Edit>
+  <New>DocumentLibraryForm</New>
+</FormTemplates>
 </file>
 
 <file path=customXml/item2.xml><?xml version="1.0" encoding="utf-8"?>
@@ -8765,27 +8573,18 @@
 </file>
 
 <file path=customXml/item3.xml><?xml version="1.0" encoding="utf-8"?>
-<?mso-contentType ?>
-<FormTemplates xmlns="http://schemas.microsoft.com/sharepoint/v3/contenttype/forms">
-  <Display>DocumentLibraryForm</Display>
-  <Edit>DocumentLibraryForm</Edit>
-  <New>DocumentLibraryForm</New>
-</FormTemplates>
+<p:properties xmlns:p="http://schemas.microsoft.com/office/2006/metadata/properties" xmlns:xsi="http://www.w3.org/2001/XMLSchema-instance" xmlns:pc="http://schemas.microsoft.com/office/infopath/2007/PartnerControls">
+  <documentManagement>
+    <MediaServiceKeyPoints xmlns="9162bd5b-4ed9-4da3-b376-05204580ba3f" xsi:nil="true"/>
+    <_activity xmlns="9162bd5b-4ed9-4da3-b376-05204580ba3f" xsi:nil="true"/>
+  </documentManagement>
+</p:properties>
 </file>
 
 <file path=customXml/itemProps1.xml><?xml version="1.0" encoding="utf-8"?>
-<ds:datastoreItem xmlns:ds="http://schemas.openxmlformats.org/officeDocument/2006/customXml" ds:itemID="{8D289AE2-D2AE-49D1-AFAC-3A79F6794255}">
+<ds:datastoreItem xmlns:ds="http://schemas.openxmlformats.org/officeDocument/2006/customXml" ds:itemID="{927BD4C1-B6B1-4715-ABF9-E660A51A4EA0}">
   <ds:schemaRefs>
-    <ds:schemaRef ds:uri="http://purl.org/dc/terms/"/>
-    <ds:schemaRef ds:uri="http://schemas.openxmlformats.org/package/2006/metadata/core-properties"/>
-    <ds:schemaRef ds:uri="http://schemas.microsoft.com/office/2006/documentManagement/types"/>
-    <ds:schemaRef ds:uri="http://schemas.microsoft.com/office/infopath/2007/PartnerControls"/>
-    <ds:schemaRef ds:uri="http://purl.org/dc/elements/1.1/"/>
-    <ds:schemaRef ds:uri="http://schemas.microsoft.com/office/2006/metadata/properties"/>
-    <ds:schemaRef ds:uri="c0fa2617-96bd-425d-8578-e93563fe37c5"/>
-    <ds:schemaRef ds:uri="9162bd5b-4ed9-4da3-b376-05204580ba3f"/>
-    <ds:schemaRef ds:uri="http://www.w3.org/XML/1998/namespace"/>
-    <ds:schemaRef ds:uri="http://purl.org/dc/dcmitype/"/>
+    <ds:schemaRef ds:uri="http://schemas.microsoft.com/sharepoint/v3/contenttype/forms"/>
   </ds:schemaRefs>
 </ds:datastoreItem>
 </file>
@@ -8810,9 +8609,18 @@
 </file>
 
 <file path=customXml/itemProps3.xml><?xml version="1.0" encoding="utf-8"?>
-<ds:datastoreItem xmlns:ds="http://schemas.openxmlformats.org/officeDocument/2006/customXml" ds:itemID="{927BD4C1-B6B1-4715-ABF9-E660A51A4EA0}">
+<ds:datastoreItem xmlns:ds="http://schemas.openxmlformats.org/officeDocument/2006/customXml" ds:itemID="{8D289AE2-D2AE-49D1-AFAC-3A79F6794255}">
   <ds:schemaRefs>
-    <ds:schemaRef ds:uri="http://schemas.microsoft.com/sharepoint/v3/contenttype/forms"/>
+    <ds:schemaRef ds:uri="http://purl.org/dc/terms/"/>
+    <ds:schemaRef ds:uri="http://schemas.openxmlformats.org/package/2006/metadata/core-properties"/>
+    <ds:schemaRef ds:uri="http://schemas.microsoft.com/office/2006/documentManagement/types"/>
+    <ds:schemaRef ds:uri="http://schemas.microsoft.com/office/infopath/2007/PartnerControls"/>
+    <ds:schemaRef ds:uri="http://purl.org/dc/elements/1.1/"/>
+    <ds:schemaRef ds:uri="http://schemas.microsoft.com/office/2006/metadata/properties"/>
+    <ds:schemaRef ds:uri="c0fa2617-96bd-425d-8578-e93563fe37c5"/>
+    <ds:schemaRef ds:uri="9162bd5b-4ed9-4da3-b376-05204580ba3f"/>
+    <ds:schemaRef ds:uri="http://www.w3.org/XML/1998/namespace"/>
+    <ds:schemaRef ds:uri="http://purl.org/dc/dcmitype/"/>
   </ds:schemaRefs>
 </ds:datastoreItem>
 </file>